--- a/Slides/13. Uniões e Enumerações.pptx
+++ b/Slides/13. Uniões e Enumerações.pptx
@@ -498,7 +498,7 @@
   <pc:docChgLst>
     <pc:chgData name="Judson Santiago" userId="ebb108da2f256286" providerId="LiveId" clId="{DCE51FA7-3BBD-4DFC-B340-B489C0F88BA4}"/>
     <pc:docChg chg="undo custSel addSld modSld modMainMaster">
-      <pc:chgData name="Judson Santiago" userId="ebb108da2f256286" providerId="LiveId" clId="{DCE51FA7-3BBD-4DFC-B340-B489C0F88BA4}" dt="2021-04-16T00:42:10.223" v="1332" actId="20577"/>
+      <pc:chgData name="Judson Santiago" userId="ebb108da2f256286" providerId="LiveId" clId="{DCE51FA7-3BBD-4DFC-B340-B489C0F88BA4}" dt="2021-04-16T18:21:57.942" v="1427" actId="1076"/>
       <pc:docMkLst>
         <pc:docMk/>
       </pc:docMkLst>
@@ -556,7 +556,7 @@
         </pc:spChg>
       </pc:sldChg>
       <pc:sldChg chg="modSp mod">
-        <pc:chgData name="Judson Santiago" userId="ebb108da2f256286" providerId="LiveId" clId="{DCE51FA7-3BBD-4DFC-B340-B489C0F88BA4}" dt="2021-04-16T00:37:04.760" v="1275" actId="207"/>
+        <pc:chgData name="Judson Santiago" userId="ebb108da2f256286" providerId="LiveId" clId="{DCE51FA7-3BBD-4DFC-B340-B489C0F88BA4}" dt="2021-04-16T18:20:35.666" v="1407" actId="6549"/>
         <pc:sldMkLst>
           <pc:docMk/>
           <pc:sldMk cId="0" sldId="277"/>
@@ -570,7 +570,7 @@
           </ac:spMkLst>
         </pc:spChg>
         <pc:spChg chg="mod">
-          <ac:chgData name="Judson Santiago" userId="ebb108da2f256286" providerId="LiveId" clId="{DCE51FA7-3BBD-4DFC-B340-B489C0F88BA4}" dt="2021-04-16T00:37:04.760" v="1275" actId="207"/>
+          <ac:chgData name="Judson Santiago" userId="ebb108da2f256286" providerId="LiveId" clId="{DCE51FA7-3BBD-4DFC-B340-B489C0F88BA4}" dt="2021-04-16T18:20:35.666" v="1407" actId="6549"/>
           <ac:spMkLst>
             <pc:docMk/>
             <pc:sldMk cId="0" sldId="277"/>
@@ -757,13 +757,13 @@
         </pc:spChg>
       </pc:sldChg>
       <pc:sldChg chg="modSp mod">
-        <pc:chgData name="Judson Santiago" userId="ebb108da2f256286" providerId="LiveId" clId="{DCE51FA7-3BBD-4DFC-B340-B489C0F88BA4}" dt="2021-04-16T00:40:31.052" v="1325" actId="207"/>
+        <pc:chgData name="Judson Santiago" userId="ebb108da2f256286" providerId="LiveId" clId="{DCE51FA7-3BBD-4DFC-B340-B489C0F88BA4}" dt="2021-04-16T18:21:57.942" v="1427" actId="1076"/>
         <pc:sldMkLst>
           <pc:docMk/>
           <pc:sldMk cId="3814912330" sldId="298"/>
         </pc:sldMkLst>
         <pc:spChg chg="mod">
-          <ac:chgData name="Judson Santiago" userId="ebb108da2f256286" providerId="LiveId" clId="{DCE51FA7-3BBD-4DFC-B340-B489C0F88BA4}" dt="2021-04-16T00:40:31.052" v="1325" actId="207"/>
+          <ac:chgData name="Judson Santiago" userId="ebb108da2f256286" providerId="LiveId" clId="{DCE51FA7-3BBD-4DFC-B340-B489C0F88BA4}" dt="2021-04-16T18:21:57.942" v="1427" actId="1076"/>
           <ac:spMkLst>
             <pc:docMk/>
             <pc:sldMk cId="3814912330" sldId="298"/>
@@ -833,7 +833,7 @@
         </pc:spChg>
       </pc:sldChg>
       <pc:sldChg chg="addSp delSp modSp new mod modNotesTx">
-        <pc:chgData name="Judson Santiago" userId="ebb108da2f256286" providerId="LiveId" clId="{DCE51FA7-3BBD-4DFC-B340-B489C0F88BA4}" dt="2021-04-16T00:32:26.501" v="1213" actId="17032"/>
+        <pc:chgData name="Judson Santiago" userId="ebb108da2f256286" providerId="LiveId" clId="{DCE51FA7-3BBD-4DFC-B340-B489C0F88BA4}" dt="2021-04-16T18:17:02.770" v="1354" actId="6549"/>
         <pc:sldMkLst>
           <pc:docMk/>
           <pc:sldMk cId="899308295" sldId="304"/>
@@ -871,7 +871,7 @@
           </ac:spMkLst>
         </pc:spChg>
         <pc:spChg chg="add mod">
-          <ac:chgData name="Judson Santiago" userId="ebb108da2f256286" providerId="LiveId" clId="{DCE51FA7-3BBD-4DFC-B340-B489C0F88BA4}" dt="2021-04-15T04:45:58.638" v="889" actId="1036"/>
+          <ac:chgData name="Judson Santiago" userId="ebb108da2f256286" providerId="LiveId" clId="{DCE51FA7-3BBD-4DFC-B340-B489C0F88BA4}" dt="2021-04-16T18:17:02.770" v="1354" actId="6549"/>
           <ac:spMkLst>
             <pc:docMk/>
             <pc:sldMk cId="899308295" sldId="304"/>
@@ -1175,7 +1175,7 @@
           </ac:spMkLst>
         </pc:spChg>
         <pc:spChg chg="add mod topLvl">
-          <ac:chgData name="Judson Santiago" userId="ebb108da2f256286" providerId="LiveId" clId="{DCE51FA7-3BBD-4DFC-B340-B489C0F88BA4}" dt="2021-04-16T00:30:45.480" v="1211" actId="20577"/>
+          <ac:chgData name="Judson Santiago" userId="ebb108da2f256286" providerId="LiveId" clId="{DCE51FA7-3BBD-4DFC-B340-B489C0F88BA4}" dt="2021-04-16T18:16:17.492" v="1348" actId="3064"/>
           <ac:spMkLst>
             <pc:docMk/>
             <pc:sldMk cId="899308295" sldId="304"/>
@@ -2253,7 +2253,7 @@
             <a:fld id="{9E73A7BA-D908-47E0-AECE-9ED68E29049B}" type="datetimeFigureOut">
               <a:rPr lang="pt-BR" smtClean="0"/>
               <a:pPr/>
-              <a:t>15/04/2021</a:t>
+              <a:t>16/04/2021</a:t>
             </a:fld>
             <a:endParaRPr lang="pt-BR"/>
           </a:p>
@@ -3908,7 +3908,7 @@
             <a:fld id="{310C4530-1F4B-477E-BE12-223DEE1EDA2C}" type="datetimeFigureOut">
               <a:rPr lang="pt-BR" smtClean="0"/>
               <a:pPr/>
-              <a:t>15/04/2021</a:t>
+              <a:t>16/04/2021</a:t>
             </a:fld>
             <a:endParaRPr lang="pt-BR"/>
           </a:p>
@@ -4415,7 +4415,7 @@
             <a:fld id="{310C4530-1F4B-477E-BE12-223DEE1EDA2C}" type="datetimeFigureOut">
               <a:rPr lang="pt-BR" smtClean="0"/>
               <a:pPr/>
-              <a:t>15/04/2021</a:t>
+              <a:t>16/04/2021</a:t>
             </a:fld>
             <a:endParaRPr lang="pt-BR"/>
           </a:p>
@@ -4592,7 +4592,7 @@
             <a:fld id="{310C4530-1F4B-477E-BE12-223DEE1EDA2C}" type="datetimeFigureOut">
               <a:rPr lang="pt-BR" smtClean="0"/>
               <a:pPr/>
-              <a:t>15/04/2021</a:t>
+              <a:t>16/04/2021</a:t>
             </a:fld>
             <a:endParaRPr lang="pt-BR"/>
           </a:p>
@@ -4759,7 +4759,7 @@
             <a:fld id="{310C4530-1F4B-477E-BE12-223DEE1EDA2C}" type="datetimeFigureOut">
               <a:rPr lang="pt-BR" smtClean="0"/>
               <a:pPr/>
-              <a:t>15/04/2021</a:t>
+              <a:t>16/04/2021</a:t>
             </a:fld>
             <a:endParaRPr lang="pt-BR"/>
           </a:p>
@@ -6208,7 +6208,7 @@
             <a:fld id="{310C4530-1F4B-477E-BE12-223DEE1EDA2C}" type="datetimeFigureOut">
               <a:rPr lang="pt-BR" smtClean="0"/>
               <a:pPr/>
-              <a:t>15/04/2021</a:t>
+              <a:t>16/04/2021</a:t>
             </a:fld>
             <a:endParaRPr lang="pt-BR"/>
           </a:p>
@@ -6790,7 +6790,7 @@
             <a:fld id="{310C4530-1F4B-477E-BE12-223DEE1EDA2C}" type="datetimeFigureOut">
               <a:rPr lang="pt-BR" smtClean="0"/>
               <a:pPr/>
-              <a:t>15/04/2021</a:t>
+              <a:t>16/04/2021</a:t>
             </a:fld>
             <a:endParaRPr lang="pt-BR"/>
           </a:p>
@@ -7221,7 +7221,7 @@
             <a:fld id="{310C4530-1F4B-477E-BE12-223DEE1EDA2C}" type="datetimeFigureOut">
               <a:rPr lang="pt-BR" smtClean="0"/>
               <a:pPr/>
-              <a:t>15/04/2021</a:t>
+              <a:t>16/04/2021</a:t>
             </a:fld>
             <a:endParaRPr lang="pt-BR"/>
           </a:p>
@@ -7760,7 +7760,7 @@
             <a:fld id="{310C4530-1F4B-477E-BE12-223DEE1EDA2C}" type="datetimeFigureOut">
               <a:rPr lang="pt-BR" smtClean="0"/>
               <a:pPr/>
-              <a:t>15/04/2021</a:t>
+              <a:t>16/04/2021</a:t>
             </a:fld>
             <a:endParaRPr lang="pt-BR"/>
           </a:p>
@@ -7852,7 +7852,7 @@
             <a:fld id="{310C4530-1F4B-477E-BE12-223DEE1EDA2C}" type="datetimeFigureOut">
               <a:rPr lang="pt-BR" smtClean="0"/>
               <a:pPr/>
-              <a:t>15/04/2021</a:t>
+              <a:t>16/04/2021</a:t>
             </a:fld>
             <a:endParaRPr lang="pt-BR"/>
           </a:p>
@@ -8102,7 +8102,7 @@
             <a:fld id="{310C4530-1F4B-477E-BE12-223DEE1EDA2C}" type="datetimeFigureOut">
               <a:rPr lang="pt-BR" smtClean="0"/>
               <a:pPr/>
-              <a:t>15/04/2021</a:t>
+              <a:t>16/04/2021</a:t>
             </a:fld>
             <a:endParaRPr lang="pt-BR"/>
           </a:p>
@@ -8817,7 +8817,7 @@
             <a:fld id="{310C4530-1F4B-477E-BE12-223DEE1EDA2C}" type="datetimeFigureOut">
               <a:rPr lang="pt-BR" smtClean="0"/>
               <a:pPr/>
-              <a:t>15/04/2021</a:t>
+              <a:t>16/04/2021</a:t>
             </a:fld>
             <a:endParaRPr lang="pt-BR"/>
           </a:p>
@@ -9098,7 +9098,7 @@
             <a:fld id="{310C4530-1F4B-477E-BE12-223DEE1EDA2C}" type="datetimeFigureOut">
               <a:rPr lang="pt-BR" smtClean="0"/>
               <a:pPr/>
-              <a:t>15/04/2021</a:t>
+              <a:t>16/04/2021</a:t>
             </a:fld>
             <a:endParaRPr lang="pt-BR"/>
           </a:p>
@@ -11397,13 +11397,19 @@
                 </a:solidFill>
                 <a:latin typeface="+mj-lt"/>
               </a:rPr>
-              <a:t>    </a:t>
+              <a:t> </a:t>
+            </a:r>
+            <a:r>
+              <a:rPr lang="pt-BR" sz="1400" dirty="0" err="1">
+                <a:latin typeface="+mj-lt"/>
+              </a:rPr>
+              <a:t>size</a:t>
             </a:r>
             <a:r>
               <a:rPr lang="pt-BR" sz="1400" dirty="0">
                 <a:latin typeface="+mj-lt"/>
               </a:rPr>
-              <a:t>size;</a:t>
+              <a:t>;</a:t>
             </a:r>
             <a:r>
               <a:rPr lang="pt-BR" sz="1400" dirty="0">
@@ -11444,7 +11450,19 @@
               <a:rPr lang="pt-BR" sz="1400" dirty="0">
                 <a:latin typeface="+mj-lt"/>
               </a:rPr>
-              <a:t>    capacity;</a:t>
+              <a:t> </a:t>
+            </a:r>
+            <a:r>
+              <a:rPr lang="pt-BR" sz="1400" dirty="0" err="1">
+                <a:latin typeface="+mj-lt"/>
+              </a:rPr>
+              <a:t>capacity</a:t>
+            </a:r>
+            <a:r>
+              <a:rPr lang="pt-BR" sz="1400" dirty="0">
+                <a:latin typeface="+mj-lt"/>
+              </a:rPr>
+              <a:t>;</a:t>
             </a:r>
           </a:p>
           <a:p>
@@ -11587,15 +11605,24 @@
             <a:ext cx="1091521" cy="864340"/>
           </a:xfrm>
           <a:prstGeom prst="leftRightArrowCallout">
-            <a:avLst/>
+            <a:avLst>
+              <a:gd name="adj1" fmla="val 25000"/>
+              <a:gd name="adj2" fmla="val 26374"/>
+              <a:gd name="adj3" fmla="val 29580"/>
+              <a:gd name="adj4" fmla="val 32892"/>
+            </a:avLst>
           </a:prstGeom>
-          <a:solidFill>
-            <a:schemeClr val="accent3">
-              <a:alpha val="50000"/>
-            </a:schemeClr>
-          </a:solidFill>
-          <a:ln>
-            <a:noFill/>
+          <a:noFill/>
+          <a:ln w="12700" cap="flat" cmpd="sng" algn="ctr">
+            <a:solidFill>
+              <a:schemeClr val="accent3">
+                <a:lumMod val="75000"/>
+              </a:schemeClr>
+            </a:solidFill>
+            <a:prstDash val="solid"/>
+            <a:round/>
+            <a:headEnd type="none" w="med" len="med"/>
+            <a:tailEnd type="none" w="med" len="med"/>
           </a:ln>
         </p:spPr>
         <p:style>
@@ -11609,11 +11636,11 @@
             <a:scrgbClr r="0" g="0" b="0"/>
           </a:effectRef>
           <a:fontRef idx="minor">
-            <a:schemeClr val="lt1"/>
+            <a:schemeClr val="accent3"/>
           </a:fontRef>
         </p:style>
         <p:txBody>
-          <a:bodyPr vert="vert" rtlCol="0" anchor="ctr"/>
+          <a:bodyPr vert="vert" lIns="36000" tIns="36000" rIns="0" bIns="36000" rtlCol="0" anchor="ctr"/>
           <a:lstStyle/>
           <a:p>
             <a:pPr algn="ctr"/>
@@ -17231,7 +17258,7 @@
         </p:nvSpPr>
         <p:spPr>
           <a:xfrm>
-            <a:off x="1991544" y="4365104"/>
+            <a:off x="1991544" y="4437112"/>
             <a:ext cx="7215238" cy="1815882"/>
           </a:xfrm>
           <a:prstGeom prst="rect">
@@ -17248,7 +17275,7 @@
               <a:rPr lang="pt-BR" sz="1600" dirty="0">
                 <a:latin typeface="+mj-lt"/>
               </a:rPr>
-              <a:t>tinta = </a:t>
+              <a:t>   tinta = </a:t>
             </a:r>
             <a:r>
               <a:rPr lang="pt-BR" sz="1600" dirty="0">
@@ -17283,24 +17310,18 @@
           <a:p>
             <a:r>
               <a:rPr lang="pt-BR" sz="1600" dirty="0">
-                <a:latin typeface="+mj-lt"/>
-              </a:rPr>
-              <a:t>tinta = 2000;  </a:t>
+                <a:solidFill>
+                  <a:srgbClr val="FF0000"/>
+                </a:solidFill>
+                <a:latin typeface="+mj-lt"/>
+              </a:rPr>
+              <a:t>x  </a:t>
             </a:r>
             <a:r>
               <a:rPr lang="pt-BR" sz="1600" dirty="0">
-                <a:solidFill>
-                  <a:srgbClr val="FF0000"/>
-                </a:solidFill>
-                <a:latin typeface="+mj-lt"/>
-              </a:rPr>
-              <a:t>x</a:t>
-            </a:r>
-            <a:r>
-              <a:rPr lang="pt-BR" sz="1600" dirty="0">
-                <a:latin typeface="+mj-lt"/>
-              </a:rPr>
-              <a:t>    </a:t>
+                <a:latin typeface="+mj-lt"/>
+              </a:rPr>
+              <a:t>tinta = 2000;       </a:t>
             </a:r>
             <a:r>
               <a:rPr lang="pt-BR" sz="1600" dirty="0">
@@ -17317,24 +17338,18 @@
           <a:p>
             <a:r>
               <a:rPr lang="pt-BR" sz="1600" dirty="0">
-                <a:latin typeface="+mj-lt"/>
-              </a:rPr>
-              <a:t>tinta = 3;     </a:t>
+                <a:solidFill>
+                  <a:srgbClr val="FF0000"/>
+                </a:solidFill>
+                <a:latin typeface="+mj-lt"/>
+              </a:rPr>
+              <a:t>x  </a:t>
             </a:r>
             <a:r>
               <a:rPr lang="pt-BR" sz="1600" dirty="0">
-                <a:solidFill>
-                  <a:srgbClr val="FF0000"/>
-                </a:solidFill>
-                <a:latin typeface="+mj-lt"/>
-              </a:rPr>
-              <a:t>x</a:t>
-            </a:r>
-            <a:r>
-              <a:rPr lang="pt-BR" sz="1600" dirty="0">
-                <a:latin typeface="+mj-lt"/>
-              </a:rPr>
-              <a:t>    </a:t>
+                <a:latin typeface="+mj-lt"/>
+              </a:rPr>
+              <a:t>tinta = 3;          </a:t>
             </a:r>
             <a:r>
               <a:rPr lang="pt-BR" sz="1600" dirty="0">
@@ -17363,7 +17378,7 @@
               <a:rPr lang="pt-BR" sz="1600" dirty="0">
                 <a:latin typeface="+mj-lt"/>
               </a:rPr>
-              <a:t>tinta = cores (3);  </a:t>
+              <a:t>   tinta = cores (3);  </a:t>
             </a:r>
             <a:r>
               <a:rPr lang="pt-BR" sz="1600" dirty="0">
@@ -17426,7 +17441,7 @@
               <a:rPr lang="pt-BR" sz="1600" dirty="0">
                 <a:latin typeface="+mj-lt"/>
               </a:rPr>
-              <a:t>tinta = (cores) 3;  </a:t>
+              <a:t>   tinta = (cores) 3;  </a:t>
             </a:r>
             <a:r>
               <a:rPr lang="pt-BR" sz="1600" dirty="0">
@@ -17485,6 +17500,17 @@
             </a:r>
           </a:p>
           <a:p>
+            <a:r>
+              <a:rPr lang="pt-BR" sz="1600" dirty="0">
+                <a:solidFill>
+                  <a:schemeClr val="accent3">
+                    <a:lumMod val="75000"/>
+                  </a:schemeClr>
+                </a:solidFill>
+                <a:latin typeface="+mj-lt"/>
+              </a:rPr>
+              <a:t>   </a:t>
+            </a:r>
             <a:r>
               <a:rPr lang="pt-BR" sz="1600" dirty="0" err="1">
                 <a:solidFill>
@@ -20132,7 +20158,7 @@
         </p:nvSpPr>
         <p:spPr>
           <a:xfrm>
-            <a:off x="1991544" y="3645024"/>
+            <a:off x="1847528" y="3645024"/>
             <a:ext cx="9361040" cy="2585323"/>
           </a:xfrm>
           <a:prstGeom prst="rect">
@@ -20146,6 +20172,17 @@
           <a:lstStyle/>
           <a:p>
             <a:r>
+              <a:rPr lang="pt-BR" dirty="0">
+                <a:solidFill>
+                  <a:schemeClr val="accent3">
+                    <a:lumMod val="75000"/>
+                  </a:schemeClr>
+                </a:solidFill>
+                <a:latin typeface="+mj-lt"/>
+              </a:rPr>
+              <a:t>  </a:t>
+            </a:r>
+            <a:r>
               <a:rPr lang="pt-BR" dirty="0" err="1">
                 <a:solidFill>
                   <a:schemeClr val="accent3">
@@ -20293,6 +20330,17 @@
           </a:p>
           <a:p>
             <a:r>
+              <a:rPr lang="pt-BR" dirty="0">
+                <a:solidFill>
+                  <a:schemeClr val="accent3">
+                    <a:lumMod val="75000"/>
+                  </a:schemeClr>
+                </a:solidFill>
+                <a:latin typeface="+mj-lt"/>
+              </a:rPr>
+              <a:t>  </a:t>
+            </a:r>
+            <a:r>
               <a:rPr lang="pt-BR" dirty="0" err="1">
                 <a:solidFill>
                   <a:schemeClr val="accent3">
@@ -20421,11 +20469,23 @@
                 <a:latin typeface="+mj-lt"/>
               </a:rPr>
             </a:br>
+            <a:r>
+              <a:rPr lang="pt-BR" dirty="0">
+                <a:latin typeface="+mj-lt"/>
+              </a:rPr>
+              <a:t>  </a:t>
+            </a:r>
             <a:br>
               <a:rPr lang="pt-BR" dirty="0">
                 <a:latin typeface="+mj-lt"/>
               </a:rPr>
             </a:br>
+            <a:r>
+              <a:rPr lang="pt-BR" dirty="0">
+                <a:latin typeface="+mj-lt"/>
+              </a:rPr>
+              <a:t>  </a:t>
+            </a:r>
             <a:r>
               <a:rPr lang="pt-BR" dirty="0">
                 <a:solidFill>
@@ -20492,7 +20552,7 @@
                 </a:solidFill>
                 <a:latin typeface="+mj-lt"/>
               </a:rPr>
-              <a:t>camisa</a:t>
+              <a:t>  camisa</a:t>
             </a:r>
             <a:r>
               <a:rPr lang="pt-BR" dirty="0">
@@ -20556,6 +20616,15 @@
           </a:p>
           <a:p>
             <a:r>
+              <a:rPr lang="pt-BR" b="1" dirty="0">
+                <a:solidFill>
+                  <a:srgbClr val="C00000"/>
+                </a:solidFill>
+                <a:latin typeface="+mj-lt"/>
+              </a:rPr>
+              <a:t>x </a:t>
+            </a:r>
+            <a:r>
               <a:rPr lang="pt-BR" dirty="0" err="1">
                 <a:solidFill>
                   <a:schemeClr val="accent3">
@@ -20606,22 +20675,7 @@
               <a:rPr lang="pt-BR" dirty="0">
                 <a:latin typeface="+mj-lt"/>
               </a:rPr>
-              <a:t>;  </a:t>
-            </a:r>
-            <a:r>
-              <a:rPr lang="pt-BR" b="1" dirty="0">
-                <a:solidFill>
-                  <a:srgbClr val="C00000"/>
-                </a:solidFill>
-                <a:latin typeface="+mj-lt"/>
-              </a:rPr>
-              <a:t>x</a:t>
-            </a:r>
-            <a:r>
-              <a:rPr lang="pt-BR" dirty="0">
-                <a:latin typeface="+mj-lt"/>
-              </a:rPr>
-              <a:t>   </a:t>
+              <a:t>;      </a:t>
             </a:r>
             <a:r>
               <a:rPr lang="pt-BR" dirty="0">
@@ -20644,6 +20698,17 @@
                 <a:latin typeface="+mj-lt"/>
               </a:rPr>
             </a:br>
+            <a:r>
+              <a:rPr lang="pt-BR" dirty="0">
+                <a:solidFill>
+                  <a:schemeClr val="tx1">
+                    <a:lumMod val="50000"/>
+                  </a:schemeClr>
+                </a:solidFill>
+                <a:latin typeface="+mj-lt"/>
+              </a:rPr>
+              <a:t>  </a:t>
+            </a:r>
             <a:r>
               <a:rPr lang="pt-BR" dirty="0" err="1">
                 <a:solidFill>
